--- a/15. Arquitetura de Negócio para cada Cenário.pptx
+++ b/15. Arquitetura de Negócio para cada Cenário.pptx
@@ -213,7 +213,7 @@
           <a:p>
             <a:fld id="{F4318199-87C9-43C5-859C-64A36D6C6B03}" type="datetimeFigureOut">
               <a:rPr lang="pt-BR" smtClean="0"/>
-              <a:t>26/02/2021</a:t>
+              <a:t>18/03/2021</a:t>
             </a:fld>
             <a:endParaRPr lang="pt-BR"/>
           </a:p>
@@ -627,7 +627,7 @@
           <a:p>
             <a:fld id="{01CBEC38-F852-4482-B8EA-F53CE02A78CA}" type="datetimeFigureOut">
               <a:rPr lang="pt-BR" smtClean="0"/>
-              <a:t>26/02/2021</a:t>
+              <a:t>18/03/2021</a:t>
             </a:fld>
             <a:endParaRPr lang="pt-BR"/>
           </a:p>
@@ -825,7 +825,7 @@
           <a:p>
             <a:fld id="{01CBEC38-F852-4482-B8EA-F53CE02A78CA}" type="datetimeFigureOut">
               <a:rPr lang="pt-BR" smtClean="0"/>
-              <a:t>26/02/2021</a:t>
+              <a:t>18/03/2021</a:t>
             </a:fld>
             <a:endParaRPr lang="pt-BR"/>
           </a:p>
@@ -1033,7 +1033,7 @@
           <a:p>
             <a:fld id="{01CBEC38-F852-4482-B8EA-F53CE02A78CA}" type="datetimeFigureOut">
               <a:rPr lang="pt-BR" smtClean="0"/>
-              <a:t>26/02/2021</a:t>
+              <a:t>18/03/2021</a:t>
             </a:fld>
             <a:endParaRPr lang="pt-BR"/>
           </a:p>
@@ -1231,7 +1231,7 @@
           <a:p>
             <a:fld id="{01CBEC38-F852-4482-B8EA-F53CE02A78CA}" type="datetimeFigureOut">
               <a:rPr lang="pt-BR" smtClean="0"/>
-              <a:t>26/02/2021</a:t>
+              <a:t>18/03/2021</a:t>
             </a:fld>
             <a:endParaRPr lang="pt-BR"/>
           </a:p>
@@ -1506,7 +1506,7 @@
           <a:p>
             <a:fld id="{01CBEC38-F852-4482-B8EA-F53CE02A78CA}" type="datetimeFigureOut">
               <a:rPr lang="pt-BR" smtClean="0"/>
-              <a:t>26/02/2021</a:t>
+              <a:t>18/03/2021</a:t>
             </a:fld>
             <a:endParaRPr lang="pt-BR"/>
           </a:p>
@@ -1771,7 +1771,7 @@
           <a:p>
             <a:fld id="{01CBEC38-F852-4482-B8EA-F53CE02A78CA}" type="datetimeFigureOut">
               <a:rPr lang="pt-BR" smtClean="0"/>
-              <a:t>26/02/2021</a:t>
+              <a:t>18/03/2021</a:t>
             </a:fld>
             <a:endParaRPr lang="pt-BR"/>
           </a:p>
@@ -2183,7 +2183,7 @@
           <a:p>
             <a:fld id="{01CBEC38-F852-4482-B8EA-F53CE02A78CA}" type="datetimeFigureOut">
               <a:rPr lang="pt-BR" smtClean="0"/>
-              <a:t>26/02/2021</a:t>
+              <a:t>18/03/2021</a:t>
             </a:fld>
             <a:endParaRPr lang="pt-BR"/>
           </a:p>
@@ -2324,7 +2324,7 @@
           <a:p>
             <a:fld id="{01CBEC38-F852-4482-B8EA-F53CE02A78CA}" type="datetimeFigureOut">
               <a:rPr lang="pt-BR" smtClean="0"/>
-              <a:t>26/02/2021</a:t>
+              <a:t>18/03/2021</a:t>
             </a:fld>
             <a:endParaRPr lang="pt-BR"/>
           </a:p>
@@ -2437,7 +2437,7 @@
           <a:p>
             <a:fld id="{01CBEC38-F852-4482-B8EA-F53CE02A78CA}" type="datetimeFigureOut">
               <a:rPr lang="pt-BR" smtClean="0"/>
-              <a:t>26/02/2021</a:t>
+              <a:t>18/03/2021</a:t>
             </a:fld>
             <a:endParaRPr lang="pt-BR"/>
           </a:p>
@@ -2748,7 +2748,7 @@
           <a:p>
             <a:fld id="{01CBEC38-F852-4482-B8EA-F53CE02A78CA}" type="datetimeFigureOut">
               <a:rPr lang="pt-BR" smtClean="0"/>
-              <a:t>26/02/2021</a:t>
+              <a:t>18/03/2021</a:t>
             </a:fld>
             <a:endParaRPr lang="pt-BR"/>
           </a:p>
@@ -3036,7 +3036,7 @@
           <a:p>
             <a:fld id="{01CBEC38-F852-4482-B8EA-F53CE02A78CA}" type="datetimeFigureOut">
               <a:rPr lang="pt-BR" smtClean="0"/>
-              <a:t>26/02/2021</a:t>
+              <a:t>18/03/2021</a:t>
             </a:fld>
             <a:endParaRPr lang="pt-BR"/>
           </a:p>
@@ -3277,7 +3277,7 @@
           <a:p>
             <a:fld id="{01CBEC38-F852-4482-B8EA-F53CE02A78CA}" type="datetimeFigureOut">
               <a:rPr lang="pt-BR" smtClean="0"/>
-              <a:t>26/02/2021</a:t>
+              <a:t>18/03/2021</a:t>
             </a:fld>
             <a:endParaRPr lang="pt-BR"/>
           </a:p>
@@ -3794,7 +3794,7 @@
             <a:pPr algn="ctr"/>
             <a:r>
               <a:rPr lang="pt-BR" sz="4000" dirty="0"/>
-              <a:t>Usuário</a:t>
+              <a:t>Cliente</a:t>
             </a:r>
           </a:p>
         </p:txBody>
@@ -3815,7 +3815,7 @@
         </p:nvSpPr>
         <p:spPr>
           <a:xfrm>
-            <a:off x="838200" y="598451"/>
+            <a:off x="838200" y="509908"/>
             <a:ext cx="10515600" cy="590931"/>
           </a:xfrm>
           <a:prstGeom prst="rect">
@@ -3909,7 +3909,7 @@
         </p:nvSpPr>
         <p:spPr>
           <a:xfrm>
-            <a:off x="7951304" y="2136338"/>
+            <a:off x="8345556" y="2057687"/>
             <a:ext cx="3008244" cy="369332"/>
           </a:xfrm>
           <a:prstGeom prst="rect">
@@ -3925,7 +3925,7 @@
           <a:p>
             <a:r>
               <a:rPr lang="pt-BR" dirty="0"/>
-              <a:t>Sistema de Buscar NCM</a:t>
+              <a:t>Site de Buscar NCM</a:t>
             </a:r>
           </a:p>
         </p:txBody>
@@ -3960,7 +3960,7 @@
           <a:p>
             <a:r>
               <a:rPr lang="pt-BR" dirty="0"/>
-              <a:t>1.Entrar no Sistema</a:t>
+              <a:t>1.Entrar no Site</a:t>
             </a:r>
           </a:p>
           <a:p>
@@ -4053,7 +4053,7 @@
             <a:pPr algn="ctr"/>
             <a:r>
               <a:rPr lang="pt-BR" sz="4000" dirty="0"/>
-              <a:t>Usuário</a:t>
+              <a:t>Cliente</a:t>
             </a:r>
           </a:p>
         </p:txBody>
@@ -4109,7 +4109,7 @@
             <a:pPr algn="l"/>
             <a:r>
               <a:rPr lang="pt-BR" sz="3600" b="1" dirty="0"/>
-              <a:t>Cenário: Entrar no Sistema</a:t>
+              <a:t>Cenário: Entrar no Site</a:t>
             </a:r>
           </a:p>
         </p:txBody>
@@ -4184,7 +4184,7 @@
           <a:p>
             <a:r>
               <a:rPr lang="pt-BR" dirty="0"/>
-              <a:t>Sistema de Buscar NCM</a:t>
+              <a:t>Site de Buscar NCM</a:t>
             </a:r>
           </a:p>
         </p:txBody>
@@ -4531,7 +4531,7 @@
             <a:pPr algn="ctr"/>
             <a:r>
               <a:rPr lang="pt-BR" sz="4000" dirty="0"/>
-              <a:t>Usuário</a:t>
+              <a:t>Cliente</a:t>
             </a:r>
           </a:p>
         </p:txBody>
@@ -4662,7 +4662,7 @@
           <a:p>
             <a:r>
               <a:rPr lang="pt-BR" dirty="0"/>
-              <a:t>Sistema de Buscar NCM</a:t>
+              <a:t>Site de Buscar NCM</a:t>
             </a:r>
           </a:p>
         </p:txBody>
@@ -4955,7 +4955,7 @@
             <a:pPr algn="ctr"/>
             <a:r>
               <a:rPr lang="pt-BR" sz="4000" dirty="0"/>
-              <a:t>Usuário</a:t>
+              <a:t>Cliente</a:t>
             </a:r>
           </a:p>
         </p:txBody>
@@ -5086,7 +5086,7 @@
           <a:p>
             <a:r>
               <a:rPr lang="pt-BR" dirty="0"/>
-              <a:t>Sistema de Buscar NCM</a:t>
+              <a:t>Site de Buscar NCM</a:t>
             </a:r>
           </a:p>
         </p:txBody>
@@ -5365,7 +5365,7 @@
           <a:p>
             <a:r>
               <a:rPr lang="pt-BR" b="1" dirty="0"/>
-              <a:t>Cenário: Entrar no Sistema</a:t>
+              <a:t>Cenário: Entrar no Site</a:t>
             </a:r>
           </a:p>
         </p:txBody>
@@ -6382,21 +6382,6 @@
 </file>
 
 <file path=customXml/item1.xml><?xml version="1.0" encoding="utf-8"?>
-<p:properties xmlns:p="http://schemas.microsoft.com/office/2006/metadata/properties" xmlns:xsi="http://www.w3.org/2001/XMLSchema-instance" xmlns:pc="http://schemas.microsoft.com/office/infopath/2007/PartnerControls">
-  <documentManagement/>
-</p:properties>
-</file>
-
-<file path=customXml/item2.xml><?xml version="1.0" encoding="utf-8"?>
-<?mso-contentType ?>
-<FormTemplates xmlns="http://schemas.microsoft.com/sharepoint/v3/contenttype/forms">
-  <Display>DocumentLibraryForm</Display>
-  <Edit>DocumentLibraryForm</Edit>
-  <New>DocumentLibraryForm</New>
-</FormTemplates>
-</file>
-
-<file path=customXml/item3.xml><?xml version="1.0" encoding="utf-8"?>
 <ct:contentTypeSchema xmlns:ct="http://schemas.microsoft.com/office/2006/metadata/contentType" xmlns:ma="http://schemas.microsoft.com/office/2006/metadata/properties/metaAttributes" ct:_="" ma:_="" ma:contentTypeName="Documento" ma:contentTypeID="0x0101009CF7F73210E25E4C80F38D3AF8DBA1CE" ma:contentTypeVersion="5" ma:contentTypeDescription="Crie um novo documento." ma:contentTypeScope="" ma:versionID="c9a3508504e9f3864337e8f8f13b8320">
   <xsd:schema xmlns:xsd="http://www.w3.org/2001/XMLSchema" xmlns:xs="http://www.w3.org/2001/XMLSchema" xmlns:p="http://schemas.microsoft.com/office/2006/metadata/properties" xmlns:ns3="6f48301a-8fe6-4e77-9b8b-4bfb63225020" xmlns:ns4="cb39491a-d688-40e9-85ac-9e954f52aece" targetNamespace="http://schemas.microsoft.com/office/2006/metadata/properties" ma:root="true" ma:fieldsID="56da7c2b13f7bdfb4bf20311946818ab" ns3:_="" ns4:_="">
     <xsd:import namespace="6f48301a-8fe6-4e77-9b8b-4bfb63225020"/>
@@ -6567,32 +6552,22 @@
 </ct:contentTypeSchema>
 </file>
 
-<file path=customXml/itemProps1.xml><?xml version="1.0" encoding="utf-8"?>
-<ds:datastoreItem xmlns:ds="http://schemas.openxmlformats.org/officeDocument/2006/customXml" ds:itemID="{28E4F8D1-CC1C-4314-A655-A69284205ED8}">
-  <ds:schemaRefs>
-    <ds:schemaRef ds:uri="cb39491a-d688-40e9-85ac-9e954f52aece"/>
-    <ds:schemaRef ds:uri="http://purl.org/dc/terms/"/>
-    <ds:schemaRef ds:uri="http://schemas.openxmlformats.org/package/2006/metadata/core-properties"/>
-    <ds:schemaRef ds:uri="http://schemas.microsoft.com/office/2006/documentManagement/types"/>
-    <ds:schemaRef ds:uri="http://schemas.microsoft.com/office/infopath/2007/PartnerControls"/>
-    <ds:schemaRef ds:uri="http://purl.org/dc/elements/1.1/"/>
-    <ds:schemaRef ds:uri="http://schemas.microsoft.com/office/2006/metadata/properties"/>
-    <ds:schemaRef ds:uri="6f48301a-8fe6-4e77-9b8b-4bfb63225020"/>
-    <ds:schemaRef ds:uri="http://www.w3.org/XML/1998/namespace"/>
-    <ds:schemaRef ds:uri="http://purl.org/dc/dcmitype/"/>
-  </ds:schemaRefs>
-</ds:datastoreItem>
+<file path=customXml/item2.xml><?xml version="1.0" encoding="utf-8"?>
+<?mso-contentType ?>
+<FormTemplates xmlns="http://schemas.microsoft.com/sharepoint/v3/contenttype/forms">
+  <Display>DocumentLibraryForm</Display>
+  <Edit>DocumentLibraryForm</Edit>
+  <New>DocumentLibraryForm</New>
+</FormTemplates>
 </file>
 
-<file path=customXml/itemProps2.xml><?xml version="1.0" encoding="utf-8"?>
-<ds:datastoreItem xmlns:ds="http://schemas.openxmlformats.org/officeDocument/2006/customXml" ds:itemID="{B7934EB7-9B6C-41BA-B4D0-80B48B796F98}">
-  <ds:schemaRefs>
-    <ds:schemaRef ds:uri="http://schemas.microsoft.com/sharepoint/v3/contenttype/forms"/>
-  </ds:schemaRefs>
-</ds:datastoreItem>
+<file path=customXml/item3.xml><?xml version="1.0" encoding="utf-8"?>
+<p:properties xmlns:p="http://schemas.microsoft.com/office/2006/metadata/properties" xmlns:xsi="http://www.w3.org/2001/XMLSchema-instance" xmlns:pc="http://schemas.microsoft.com/office/infopath/2007/PartnerControls">
+  <documentManagement/>
+</p:properties>
 </file>
 
-<file path=customXml/itemProps3.xml><?xml version="1.0" encoding="utf-8"?>
+<file path=customXml/itemProps1.xml><?xml version="1.0" encoding="utf-8"?>
 <ds:datastoreItem xmlns:ds="http://schemas.openxmlformats.org/officeDocument/2006/customXml" ds:itemID="{5D953589-B619-4DDF-BA20-4E50D9439F72}">
   <ds:schemaRefs>
     <ds:schemaRef ds:uri="http://schemas.microsoft.com/office/2006/metadata/contentType"/>
@@ -6609,4 +6584,29 @@
     <ds:schemaRef ds:uri="http://schemas.microsoft.com/internal/obd"/>
   </ds:schemaRefs>
 </ds:datastoreItem>
+</file>
+
+<file path=customXml/itemProps2.xml><?xml version="1.0" encoding="utf-8"?>
+<ds:datastoreItem xmlns:ds="http://schemas.openxmlformats.org/officeDocument/2006/customXml" ds:itemID="{B7934EB7-9B6C-41BA-B4D0-80B48B796F98}">
+  <ds:schemaRefs>
+    <ds:schemaRef ds:uri="http://schemas.microsoft.com/sharepoint/v3/contenttype/forms"/>
+  </ds:schemaRefs>
+</ds:datastoreItem>
+</file>
+
+<file path=customXml/itemProps3.xml><?xml version="1.0" encoding="utf-8"?>
+<ds:datastoreItem xmlns:ds="http://schemas.openxmlformats.org/officeDocument/2006/customXml" ds:itemID="{28E4F8D1-CC1C-4314-A655-A69284205ED8}">
+  <ds:schemaRefs>
+    <ds:schemaRef ds:uri="cb39491a-d688-40e9-85ac-9e954f52aece"/>
+    <ds:schemaRef ds:uri="http://purl.org/dc/terms/"/>
+    <ds:schemaRef ds:uri="http://schemas.openxmlformats.org/package/2006/metadata/core-properties"/>
+    <ds:schemaRef ds:uri="http://schemas.microsoft.com/office/2006/documentManagement/types"/>
+    <ds:schemaRef ds:uri="http://schemas.microsoft.com/office/infopath/2007/PartnerControls"/>
+    <ds:schemaRef ds:uri="http://purl.org/dc/elements/1.1/"/>
+    <ds:schemaRef ds:uri="http://schemas.microsoft.com/office/2006/metadata/properties"/>
+    <ds:schemaRef ds:uri="6f48301a-8fe6-4e77-9b8b-4bfb63225020"/>
+    <ds:schemaRef ds:uri="http://www.w3.org/XML/1998/namespace"/>
+    <ds:schemaRef ds:uri="http://purl.org/dc/dcmitype/"/>
+  </ds:schemaRefs>
+</ds:datastoreItem>
 </file>